--- a/ApportionmentPresentation.pptx
+++ b/ApportionmentPresentation.pptx
@@ -16,8 +16,8 @@
     <p:sldId id="263" r:id="rId7"/>
     <p:sldId id="293" r:id="rId8"/>
     <p:sldId id="260" r:id="rId9"/>
-    <p:sldId id="294" r:id="rId10"/>
-    <p:sldId id="264" r:id="rId11"/>
+    <p:sldId id="264" r:id="rId10"/>
+    <p:sldId id="294" r:id="rId11"/>
     <p:sldId id="304" r:id="rId12"/>
     <p:sldId id="267" r:id="rId13"/>
     <p:sldId id="305" r:id="rId14"/>
@@ -3561,7 +3561,7 @@
           <a:p>
             <a:fld id="{CF57BC98-F3FF-0442-8255-E484A71C8ABE}" type="datetimeFigureOut">
               <a:rPr lang="en-US" smtClean="0"/>
-              <a:t>5/4/22</a:t>
+              <a:t>5/9/22</a:t>
             </a:fld>
             <a:endParaRPr lang="en-US"/>
           </a:p>
@@ -4731,7 +4731,7 @@
           <a:p>
             <a:fld id="{35C86C78-1036-7149-8B56-92BCF07FFF59}" type="datetimeFigureOut">
               <a:rPr lang="en-US" smtClean="0"/>
-              <a:t>5/4/22</a:t>
+              <a:t>5/9/22</a:t>
             </a:fld>
             <a:endParaRPr lang="en-US"/>
           </a:p>
@@ -4929,7 +4929,7 @@
           <a:p>
             <a:fld id="{35C86C78-1036-7149-8B56-92BCF07FFF59}" type="datetimeFigureOut">
               <a:rPr lang="en-US" smtClean="0"/>
-              <a:t>5/4/22</a:t>
+              <a:t>5/9/22</a:t>
             </a:fld>
             <a:endParaRPr lang="en-US"/>
           </a:p>
@@ -5137,7 +5137,7 @@
           <a:p>
             <a:fld id="{35C86C78-1036-7149-8B56-92BCF07FFF59}" type="datetimeFigureOut">
               <a:rPr lang="en-US" smtClean="0"/>
-              <a:t>5/4/22</a:t>
+              <a:t>5/9/22</a:t>
             </a:fld>
             <a:endParaRPr lang="en-US"/>
           </a:p>
@@ -5335,7 +5335,7 @@
           <a:p>
             <a:fld id="{35C86C78-1036-7149-8B56-92BCF07FFF59}" type="datetimeFigureOut">
               <a:rPr lang="en-US" smtClean="0"/>
-              <a:t>5/4/22</a:t>
+              <a:t>5/9/22</a:t>
             </a:fld>
             <a:endParaRPr lang="en-US"/>
           </a:p>
@@ -5610,7 +5610,7 @@
           <a:p>
             <a:fld id="{35C86C78-1036-7149-8B56-92BCF07FFF59}" type="datetimeFigureOut">
               <a:rPr lang="en-US" smtClean="0"/>
-              <a:t>5/4/22</a:t>
+              <a:t>5/9/22</a:t>
             </a:fld>
             <a:endParaRPr lang="en-US"/>
           </a:p>
@@ -5875,7 +5875,7 @@
           <a:p>
             <a:fld id="{35C86C78-1036-7149-8B56-92BCF07FFF59}" type="datetimeFigureOut">
               <a:rPr lang="en-US" smtClean="0"/>
-              <a:t>5/4/22</a:t>
+              <a:t>5/9/22</a:t>
             </a:fld>
             <a:endParaRPr lang="en-US"/>
           </a:p>
@@ -6287,7 +6287,7 @@
           <a:p>
             <a:fld id="{35C86C78-1036-7149-8B56-92BCF07FFF59}" type="datetimeFigureOut">
               <a:rPr lang="en-US" smtClean="0"/>
-              <a:t>5/4/22</a:t>
+              <a:t>5/9/22</a:t>
             </a:fld>
             <a:endParaRPr lang="en-US"/>
           </a:p>
@@ -6428,7 +6428,7 @@
           <a:p>
             <a:fld id="{35C86C78-1036-7149-8B56-92BCF07FFF59}" type="datetimeFigureOut">
               <a:rPr lang="en-US" smtClean="0"/>
-              <a:t>5/4/22</a:t>
+              <a:t>5/9/22</a:t>
             </a:fld>
             <a:endParaRPr lang="en-US"/>
           </a:p>
@@ -6541,7 +6541,7 @@
           <a:p>
             <a:fld id="{35C86C78-1036-7149-8B56-92BCF07FFF59}" type="datetimeFigureOut">
               <a:rPr lang="en-US" smtClean="0"/>
-              <a:t>5/4/22</a:t>
+              <a:t>5/9/22</a:t>
             </a:fld>
             <a:endParaRPr lang="en-US"/>
           </a:p>
@@ -6852,7 +6852,7 @@
           <a:p>
             <a:fld id="{35C86C78-1036-7149-8B56-92BCF07FFF59}" type="datetimeFigureOut">
               <a:rPr lang="en-US" smtClean="0"/>
-              <a:t>5/4/22</a:t>
+              <a:t>5/9/22</a:t>
             </a:fld>
             <a:endParaRPr lang="en-US"/>
           </a:p>
@@ -7140,7 +7140,7 @@
           <a:p>
             <a:fld id="{35C86C78-1036-7149-8B56-92BCF07FFF59}" type="datetimeFigureOut">
               <a:rPr lang="en-US" smtClean="0"/>
-              <a:t>5/4/22</a:t>
+              <a:t>5/9/22</a:t>
             </a:fld>
             <a:endParaRPr lang="en-US"/>
           </a:p>
@@ -7381,7 +7381,7 @@
           <a:p>
             <a:fld id="{35C86C78-1036-7149-8B56-92BCF07FFF59}" type="datetimeFigureOut">
               <a:rPr lang="en-US" smtClean="0"/>
-              <a:t>5/4/22</a:t>
+              <a:t>5/9/22</a:t>
             </a:fld>
             <a:endParaRPr lang="en-US"/>
           </a:p>
@@ -8075,267 +8075,80 @@
       </p:grpSpPr>
       <p:sp>
         <p:nvSpPr>
-          <p:cNvPr id="2" name="TextBox 1">
-            <a:extLst>
-              <a:ext uri="{FF2B5EF4-FFF2-40B4-BE49-F238E27FC236}">
-                <a16:creationId xmlns:a16="http://schemas.microsoft.com/office/drawing/2014/main" id="{9B0742E3-22AF-784A-AE69-2BFE16B2CB00}"/>
-              </a:ext>
-            </a:extLst>
-          </p:cNvPr>
-          <p:cNvSpPr txBox="1"/>
-          <p:nvPr/>
-        </p:nvSpPr>
-        <p:spPr>
-          <a:xfrm>
-            <a:off x="3575339" y="924361"/>
-            <a:ext cx="8535093" cy="2554545"/>
-          </a:xfrm>
-          <a:prstGeom prst="rect">
-            <a:avLst/>
-          </a:prstGeom>
-          <a:noFill/>
-        </p:spPr>
+          <p:cNvPr id="2" name="Title 1">
+            <a:extLst>
+              <a:ext uri="{FF2B5EF4-FFF2-40B4-BE49-F238E27FC236}">
+                <a16:creationId xmlns:a16="http://schemas.microsoft.com/office/drawing/2014/main" id="{A2A41346-7389-184D-B2CB-774C80FF5912}"/>
+              </a:ext>
+            </a:extLst>
+          </p:cNvPr>
+          <p:cNvSpPr>
+            <a:spLocks noGrp="1"/>
+          </p:cNvSpPr>
+          <p:nvPr>
+            <p:ph type="title"/>
+          </p:nvPr>
+        </p:nvSpPr>
+        <p:spPr/>
         <p:txBody>
-          <a:bodyPr wrap="none" rtlCol="0">
-            <a:spAutoFit/>
-          </a:bodyPr>
+          <a:bodyPr/>
           <a:lstStyle/>
           <a:p>
-            <a:r>
-              <a:rPr lang="en-US" sz="3200" b="1" dirty="0"/>
-              <a:t>Alabama paradox: </a:t>
-            </a:r>
-            <a:r>
-              <a:rPr lang="en-US" sz="3200" dirty="0"/>
-              <a:t>Increasing the total number of </a:t>
-            </a:r>
-          </a:p>
-          <a:p>
-            <a:r>
-              <a:rPr lang="en-US" sz="3200" dirty="0"/>
-              <a:t>seats can decrease the number of seats </a:t>
-            </a:r>
-          </a:p>
-          <a:p>
-            <a:r>
-              <a:rPr lang="en-US" sz="3200" dirty="0"/>
-              <a:t>apportioned to a state . First noticed for Alabama </a:t>
-            </a:r>
-          </a:p>
-          <a:p>
-            <a:r>
-              <a:rPr lang="en-US" sz="3200" dirty="0"/>
-              <a:t>in the 1880 apportionment.</a:t>
-            </a:r>
-          </a:p>
-          <a:p>
-            <a:r>
-              <a:rPr lang="en-US" sz="3200" dirty="0"/>
-              <a:t> </a:t>
+            <a:pPr algn="ctr"/>
+            <a:r>
+              <a:rPr lang="en-US" dirty="0"/>
+              <a:t>Outline</a:t>
             </a:r>
           </a:p>
         </p:txBody>
       </p:sp>
-      <p:pic>
-        <p:nvPicPr>
-          <p:cNvPr id="5122" name="Picture 2" descr="alexander hamilton and lin manuel miranda in hamilton musical">
-            <a:extLst>
-              <a:ext uri="{FF2B5EF4-FFF2-40B4-BE49-F238E27FC236}">
-                <a16:creationId xmlns:a16="http://schemas.microsoft.com/office/drawing/2014/main" id="{F451AC25-26C6-2542-AFAE-269F0EAFA984}"/>
-              </a:ext>
-            </a:extLst>
-          </p:cNvPr>
-          <p:cNvPicPr>
-            <a:picLocks noChangeAspect="1" noChangeArrowheads="1"/>
-          </p:cNvPicPr>
-          <p:nvPr/>
-        </p:nvPicPr>
-        <p:blipFill>
-          <a:blip r:embed="rId2">
-            <a:extLst>
-              <a:ext uri="{28A0092B-C50C-407E-A947-70E740481C1C}">
-                <a14:useLocalDpi xmlns:a14="http://schemas.microsoft.com/office/drawing/2010/main" val="0"/>
-              </a:ext>
-            </a:extLst>
-          </a:blip>
-          <a:srcRect/>
-          <a:stretch>
-            <a:fillRect/>
-          </a:stretch>
-        </p:blipFill>
-        <p:spPr bwMode="auto">
-          <a:xfrm>
-            <a:off x="0" y="160638"/>
-            <a:ext cx="3575339" cy="3575339"/>
-          </a:xfrm>
-          <a:prstGeom prst="rect">
-            <a:avLst/>
-          </a:prstGeom>
-          <a:noFill/>
-          <a:extLst>
-            <a:ext uri="{909E8E84-426E-40DD-AFC4-6F175D3DCCD1}">
-              <a14:hiddenFill xmlns:a14="http://schemas.microsoft.com/office/drawing/2010/main">
-                <a:solidFill>
-                  <a:srgbClr val="FFFFFF"/>
-                </a:solidFill>
-              </a14:hiddenFill>
-            </a:ext>
-          </a:extLst>
-        </p:spPr>
-      </p:pic>
-      <p:sp>
-        <p:nvSpPr>
-          <p:cNvPr id="5" name="TextBox 4">
-            <a:extLst>
-              <a:ext uri="{FF2B5EF4-FFF2-40B4-BE49-F238E27FC236}">
-                <a16:creationId xmlns:a16="http://schemas.microsoft.com/office/drawing/2014/main" id="{6955CB51-AA37-9F4D-82B1-217F61171BB5}"/>
-              </a:ext>
-            </a:extLst>
-          </p:cNvPr>
-          <p:cNvSpPr txBox="1"/>
-          <p:nvPr/>
-        </p:nvSpPr>
-        <p:spPr>
-          <a:xfrm>
-            <a:off x="4693224" y="196384"/>
-            <a:ext cx="6026393" cy="584775"/>
-          </a:xfrm>
-          <a:prstGeom prst="rect">
-            <a:avLst/>
-          </a:prstGeom>
-          <a:noFill/>
-        </p:spPr>
+      <p:sp>
+        <p:nvSpPr>
+          <p:cNvPr id="3" name="Content Placeholder 2">
+            <a:extLst>
+              <a:ext uri="{FF2B5EF4-FFF2-40B4-BE49-F238E27FC236}">
+                <a16:creationId xmlns:a16="http://schemas.microsoft.com/office/drawing/2014/main" id="{E78EBC19-A26C-4044-BC9A-A65D4A55ECE5}"/>
+              </a:ext>
+            </a:extLst>
+          </p:cNvPr>
+          <p:cNvSpPr>
+            <a:spLocks noGrp="1"/>
+          </p:cNvSpPr>
+          <p:nvPr>
+            <p:ph idx="1"/>
+          </p:nvPr>
+        </p:nvSpPr>
+        <p:spPr/>
         <p:txBody>
-          <a:bodyPr wrap="none" rtlCol="0">
-            <a:spAutoFit/>
-          </a:bodyPr>
+          <a:bodyPr/>
           <a:lstStyle/>
           <a:p>
             <a:r>
-              <a:rPr lang="en-US" sz="3200" b="1" dirty="0"/>
-              <a:t>Problems with Hamilton’s Method</a:t>
-            </a:r>
-          </a:p>
-        </p:txBody>
-      </p:sp>
-      <p:pic>
-        <p:nvPicPr>
-          <p:cNvPr id="9" name="Picture 8">
-            <a:extLst>
-              <a:ext uri="{FF2B5EF4-FFF2-40B4-BE49-F238E27FC236}">
-                <a16:creationId xmlns:a16="http://schemas.microsoft.com/office/drawing/2014/main" id="{44156D91-DCE7-6C46-B01F-91DE80900D8D}"/>
-              </a:ext>
-            </a:extLst>
-          </p:cNvPr>
-          <p:cNvPicPr>
-            <a:picLocks noChangeAspect="1"/>
-          </p:cNvPicPr>
-          <p:nvPr/>
-        </p:nvPicPr>
-        <p:blipFill>
-          <a:blip r:embed="rId3"/>
-          <a:stretch>
-            <a:fillRect/>
-          </a:stretch>
-        </p:blipFill>
-        <p:spPr>
-          <a:xfrm>
-            <a:off x="4600187" y="3184764"/>
-            <a:ext cx="5100982" cy="628106"/>
-          </a:xfrm>
-          <a:prstGeom prst="rect">
-            <a:avLst/>
-          </a:prstGeom>
-        </p:spPr>
-      </p:pic>
-      <p:pic>
-        <p:nvPicPr>
-          <p:cNvPr id="12" name="Picture 11">
-            <a:extLst>
-              <a:ext uri="{FF2B5EF4-FFF2-40B4-BE49-F238E27FC236}">
-                <a16:creationId xmlns:a16="http://schemas.microsoft.com/office/drawing/2014/main" id="{1D0CDFA3-142A-EA44-A5FE-D9FB3F8D0634}"/>
-              </a:ext>
-            </a:extLst>
-          </p:cNvPr>
-          <p:cNvPicPr>
-            <a:picLocks noChangeAspect="1"/>
-          </p:cNvPicPr>
-          <p:nvPr/>
-        </p:nvPicPr>
-        <p:blipFill>
-          <a:blip r:embed="rId4"/>
-          <a:stretch>
-            <a:fillRect/>
-          </a:stretch>
-        </p:blipFill>
-        <p:spPr>
-          <a:xfrm>
-            <a:off x="4600187" y="4083363"/>
-            <a:ext cx="4815439" cy="318531"/>
-          </a:xfrm>
-          <a:prstGeom prst="rect">
-            <a:avLst/>
-          </a:prstGeom>
-        </p:spPr>
-      </p:pic>
-      <p:sp>
-        <p:nvSpPr>
-          <p:cNvPr id="4" name="TextBox 3">
-            <a:extLst>
-              <a:ext uri="{FF2B5EF4-FFF2-40B4-BE49-F238E27FC236}">
-                <a16:creationId xmlns:a16="http://schemas.microsoft.com/office/drawing/2014/main" id="{F4CD6FB1-4DF0-B74A-8AE0-B1AEACBD2095}"/>
-              </a:ext>
-            </a:extLst>
-          </p:cNvPr>
-          <p:cNvSpPr txBox="1"/>
-          <p:nvPr/>
-        </p:nvSpPr>
-        <p:spPr>
-          <a:xfrm>
-            <a:off x="0" y="4672387"/>
-            <a:ext cx="11857157" cy="1846659"/>
-          </a:xfrm>
-          <a:prstGeom prst="rect">
-            <a:avLst/>
-          </a:prstGeom>
-          <a:noFill/>
-        </p:spPr>
-        <p:txBody>
-          <a:bodyPr wrap="none" rtlCol="0">
-            <a:spAutoFit/>
-          </a:bodyPr>
-          <a:lstStyle/>
-          <a:p>
-            <a:r>
-              <a:rPr lang="en-US" sz="3200" b="1" dirty="0"/>
-              <a:t>New State paradox: </a:t>
-            </a:r>
-            <a:r>
-              <a:rPr lang="en-US" sz="3200" dirty="0"/>
-              <a:t>Adding or removing a state with its allotted seats </a:t>
-            </a:r>
-          </a:p>
-          <a:p>
-            <a:r>
-              <a:rPr lang="en-US" sz="3200" dirty="0"/>
-              <a:t>changes the seats apportioned to other states. First noticed in 1907 </a:t>
-            </a:r>
-          </a:p>
-          <a:p>
-            <a:r>
-              <a:rPr lang="en-US" sz="3200" dirty="0"/>
-              <a:t>when Oklahoma became a state.</a:t>
-            </a:r>
-          </a:p>
-          <a:p>
-            <a:endParaRPr lang="en-US" b="1" dirty="0"/>
+              <a:rPr lang="en-US" b="1" dirty="0"/>
+              <a:t>History of apportionment methods and their problems</a:t>
+            </a:r>
+          </a:p>
+          <a:p>
+            <a:r>
+              <a:rPr lang="en-US" dirty="0"/>
+              <a:t>Unbiased apportionment: if states are drawn repeatedly from the same distribution, a family of states should be assigned the same number of seats on average regardless if they are rounded or not.</a:t>
+            </a:r>
+          </a:p>
+          <a:p>
+            <a:r>
+              <a:rPr lang="en-US" dirty="0"/>
+              <a:t>Impartial apportionment: For a single sample of states, a families of states with the same total population should be assigned the same number of seats regardless if a family contains a large number of small population states or a small number of large population states.</a:t>
+            </a:r>
+          </a:p>
+          <a:p>
+            <a:endParaRPr lang="en-US" dirty="0"/>
           </a:p>
         </p:txBody>
       </p:sp>
     </p:spTree>
     <p:extLst>
       <p:ext uri="{BB962C8B-B14F-4D97-AF65-F5344CB8AC3E}">
-        <p14:creationId xmlns:p14="http://schemas.microsoft.com/office/powerpoint/2010/main" val="4021157456"/>
+        <p14:creationId xmlns:p14="http://schemas.microsoft.com/office/powerpoint/2010/main" val="1120851124"/>
       </p:ext>
     </p:extLst>
   </p:cSld>
@@ -25972,80 +25785,267 @@
       </p:grpSpPr>
       <p:sp>
         <p:nvSpPr>
-          <p:cNvPr id="2" name="Title 1">
-            <a:extLst>
-              <a:ext uri="{FF2B5EF4-FFF2-40B4-BE49-F238E27FC236}">
-                <a16:creationId xmlns:a16="http://schemas.microsoft.com/office/drawing/2014/main" id="{A2A41346-7389-184D-B2CB-774C80FF5912}"/>
-              </a:ext>
-            </a:extLst>
-          </p:cNvPr>
-          <p:cNvSpPr>
-            <a:spLocks noGrp="1"/>
-          </p:cNvSpPr>
-          <p:nvPr>
-            <p:ph type="title"/>
-          </p:nvPr>
-        </p:nvSpPr>
-        <p:spPr/>
+          <p:cNvPr id="2" name="TextBox 1">
+            <a:extLst>
+              <a:ext uri="{FF2B5EF4-FFF2-40B4-BE49-F238E27FC236}">
+                <a16:creationId xmlns:a16="http://schemas.microsoft.com/office/drawing/2014/main" id="{9B0742E3-22AF-784A-AE69-2BFE16B2CB00}"/>
+              </a:ext>
+            </a:extLst>
+          </p:cNvPr>
+          <p:cNvSpPr txBox="1"/>
+          <p:nvPr/>
+        </p:nvSpPr>
+        <p:spPr>
+          <a:xfrm>
+            <a:off x="3575339" y="924361"/>
+            <a:ext cx="8535093" cy="2554545"/>
+          </a:xfrm>
+          <a:prstGeom prst="rect">
+            <a:avLst/>
+          </a:prstGeom>
+          <a:noFill/>
+        </p:spPr>
         <p:txBody>
-          <a:bodyPr/>
+          <a:bodyPr wrap="none" rtlCol="0">
+            <a:spAutoFit/>
+          </a:bodyPr>
           <a:lstStyle/>
           <a:p>
-            <a:pPr algn="ctr"/>
-            <a:r>
-              <a:rPr lang="en-US" dirty="0"/>
-              <a:t>Outline</a:t>
+            <a:r>
+              <a:rPr lang="en-US" sz="3200" b="1" dirty="0"/>
+              <a:t>Alabama paradox: </a:t>
+            </a:r>
+            <a:r>
+              <a:rPr lang="en-US" sz="3200" dirty="0"/>
+              <a:t>Increasing the total number of </a:t>
+            </a:r>
+          </a:p>
+          <a:p>
+            <a:r>
+              <a:rPr lang="en-US" sz="3200" dirty="0"/>
+              <a:t>seats can decrease the number of seats </a:t>
+            </a:r>
+          </a:p>
+          <a:p>
+            <a:r>
+              <a:rPr lang="en-US" sz="3200" dirty="0"/>
+              <a:t>apportioned to a state . First noticed for Alabama </a:t>
+            </a:r>
+          </a:p>
+          <a:p>
+            <a:r>
+              <a:rPr lang="en-US" sz="3200" dirty="0"/>
+              <a:t>in the 1880 apportionment.</a:t>
+            </a:r>
+          </a:p>
+          <a:p>
+            <a:r>
+              <a:rPr lang="en-US" sz="3200" dirty="0"/>
+              <a:t> </a:t>
             </a:r>
           </a:p>
         </p:txBody>
       </p:sp>
-      <p:sp>
-        <p:nvSpPr>
-          <p:cNvPr id="3" name="Content Placeholder 2">
-            <a:extLst>
-              <a:ext uri="{FF2B5EF4-FFF2-40B4-BE49-F238E27FC236}">
-                <a16:creationId xmlns:a16="http://schemas.microsoft.com/office/drawing/2014/main" id="{E78EBC19-A26C-4044-BC9A-A65D4A55ECE5}"/>
-              </a:ext>
-            </a:extLst>
-          </p:cNvPr>
-          <p:cNvSpPr>
-            <a:spLocks noGrp="1"/>
-          </p:cNvSpPr>
-          <p:nvPr>
-            <p:ph idx="1"/>
-          </p:nvPr>
-        </p:nvSpPr>
-        <p:spPr/>
+      <p:pic>
+        <p:nvPicPr>
+          <p:cNvPr id="5122" name="Picture 2" descr="alexander hamilton and lin manuel miranda in hamilton musical">
+            <a:extLst>
+              <a:ext uri="{FF2B5EF4-FFF2-40B4-BE49-F238E27FC236}">
+                <a16:creationId xmlns:a16="http://schemas.microsoft.com/office/drawing/2014/main" id="{F451AC25-26C6-2542-AFAE-269F0EAFA984}"/>
+              </a:ext>
+            </a:extLst>
+          </p:cNvPr>
+          <p:cNvPicPr>
+            <a:picLocks noChangeAspect="1" noChangeArrowheads="1"/>
+          </p:cNvPicPr>
+          <p:nvPr/>
+        </p:nvPicPr>
+        <p:blipFill>
+          <a:blip r:embed="rId2">
+            <a:extLst>
+              <a:ext uri="{28A0092B-C50C-407E-A947-70E740481C1C}">
+                <a14:useLocalDpi xmlns:a14="http://schemas.microsoft.com/office/drawing/2010/main" val="0"/>
+              </a:ext>
+            </a:extLst>
+          </a:blip>
+          <a:srcRect/>
+          <a:stretch>
+            <a:fillRect/>
+          </a:stretch>
+        </p:blipFill>
+        <p:spPr bwMode="auto">
+          <a:xfrm>
+            <a:off x="0" y="160638"/>
+            <a:ext cx="3575339" cy="3575339"/>
+          </a:xfrm>
+          <a:prstGeom prst="rect">
+            <a:avLst/>
+          </a:prstGeom>
+          <a:noFill/>
+          <a:extLst>
+            <a:ext uri="{909E8E84-426E-40DD-AFC4-6F175D3DCCD1}">
+              <a14:hiddenFill xmlns:a14="http://schemas.microsoft.com/office/drawing/2010/main">
+                <a:solidFill>
+                  <a:srgbClr val="FFFFFF"/>
+                </a:solidFill>
+              </a14:hiddenFill>
+            </a:ext>
+          </a:extLst>
+        </p:spPr>
+      </p:pic>
+      <p:sp>
+        <p:nvSpPr>
+          <p:cNvPr id="5" name="TextBox 4">
+            <a:extLst>
+              <a:ext uri="{FF2B5EF4-FFF2-40B4-BE49-F238E27FC236}">
+                <a16:creationId xmlns:a16="http://schemas.microsoft.com/office/drawing/2014/main" id="{6955CB51-AA37-9F4D-82B1-217F61171BB5}"/>
+              </a:ext>
+            </a:extLst>
+          </p:cNvPr>
+          <p:cNvSpPr txBox="1"/>
+          <p:nvPr/>
+        </p:nvSpPr>
+        <p:spPr>
+          <a:xfrm>
+            <a:off x="4693224" y="196384"/>
+            <a:ext cx="6026393" cy="584775"/>
+          </a:xfrm>
+          <a:prstGeom prst="rect">
+            <a:avLst/>
+          </a:prstGeom>
+          <a:noFill/>
+        </p:spPr>
         <p:txBody>
-          <a:bodyPr/>
+          <a:bodyPr wrap="none" rtlCol="0">
+            <a:spAutoFit/>
+          </a:bodyPr>
           <a:lstStyle/>
           <a:p>
             <a:r>
-              <a:rPr lang="en-US" b="1" dirty="0"/>
-              <a:t>History of apportionment methods and their problems</a:t>
-            </a:r>
-          </a:p>
-          <a:p>
-            <a:r>
-              <a:rPr lang="en-US" dirty="0"/>
-              <a:t>Unbiased apportionment: if states are drawn repeatedly from the same distribution, a family of states should be assigned the same number of seats on average regardless if they are rounded or not.</a:t>
-            </a:r>
-          </a:p>
-          <a:p>
-            <a:r>
-              <a:rPr lang="en-US" dirty="0"/>
-              <a:t>Impartial apportionment: For a single sample of states, a families of states with the same total population should be assigned the same number of seats regardless if a family contains a large number of small population states or a small number of large population states.</a:t>
-            </a:r>
-          </a:p>
-          <a:p>
-            <a:endParaRPr lang="en-US" dirty="0"/>
+              <a:rPr lang="en-US" sz="3200" b="1" dirty="0"/>
+              <a:t>Problems with Hamilton’s Method</a:t>
+            </a:r>
+          </a:p>
+        </p:txBody>
+      </p:sp>
+      <p:pic>
+        <p:nvPicPr>
+          <p:cNvPr id="9" name="Picture 8">
+            <a:extLst>
+              <a:ext uri="{FF2B5EF4-FFF2-40B4-BE49-F238E27FC236}">
+                <a16:creationId xmlns:a16="http://schemas.microsoft.com/office/drawing/2014/main" id="{44156D91-DCE7-6C46-B01F-91DE80900D8D}"/>
+              </a:ext>
+            </a:extLst>
+          </p:cNvPr>
+          <p:cNvPicPr>
+            <a:picLocks noChangeAspect="1"/>
+          </p:cNvPicPr>
+          <p:nvPr/>
+        </p:nvPicPr>
+        <p:blipFill>
+          <a:blip r:embed="rId3"/>
+          <a:stretch>
+            <a:fillRect/>
+          </a:stretch>
+        </p:blipFill>
+        <p:spPr>
+          <a:xfrm>
+            <a:off x="4600187" y="3184764"/>
+            <a:ext cx="5100982" cy="628106"/>
+          </a:xfrm>
+          <a:prstGeom prst="rect">
+            <a:avLst/>
+          </a:prstGeom>
+        </p:spPr>
+      </p:pic>
+      <p:pic>
+        <p:nvPicPr>
+          <p:cNvPr id="12" name="Picture 11">
+            <a:extLst>
+              <a:ext uri="{FF2B5EF4-FFF2-40B4-BE49-F238E27FC236}">
+                <a16:creationId xmlns:a16="http://schemas.microsoft.com/office/drawing/2014/main" id="{1D0CDFA3-142A-EA44-A5FE-D9FB3F8D0634}"/>
+              </a:ext>
+            </a:extLst>
+          </p:cNvPr>
+          <p:cNvPicPr>
+            <a:picLocks noChangeAspect="1"/>
+          </p:cNvPicPr>
+          <p:nvPr/>
+        </p:nvPicPr>
+        <p:blipFill>
+          <a:blip r:embed="rId4"/>
+          <a:stretch>
+            <a:fillRect/>
+          </a:stretch>
+        </p:blipFill>
+        <p:spPr>
+          <a:xfrm>
+            <a:off x="4600187" y="4083363"/>
+            <a:ext cx="4815439" cy="318531"/>
+          </a:xfrm>
+          <a:prstGeom prst="rect">
+            <a:avLst/>
+          </a:prstGeom>
+        </p:spPr>
+      </p:pic>
+      <p:sp>
+        <p:nvSpPr>
+          <p:cNvPr id="4" name="TextBox 3">
+            <a:extLst>
+              <a:ext uri="{FF2B5EF4-FFF2-40B4-BE49-F238E27FC236}">
+                <a16:creationId xmlns:a16="http://schemas.microsoft.com/office/drawing/2014/main" id="{F4CD6FB1-4DF0-B74A-8AE0-B1AEACBD2095}"/>
+              </a:ext>
+            </a:extLst>
+          </p:cNvPr>
+          <p:cNvSpPr txBox="1"/>
+          <p:nvPr/>
+        </p:nvSpPr>
+        <p:spPr>
+          <a:xfrm>
+            <a:off x="0" y="4672387"/>
+            <a:ext cx="11857157" cy="1846659"/>
+          </a:xfrm>
+          <a:prstGeom prst="rect">
+            <a:avLst/>
+          </a:prstGeom>
+          <a:noFill/>
+        </p:spPr>
+        <p:txBody>
+          <a:bodyPr wrap="none" rtlCol="0">
+            <a:spAutoFit/>
+          </a:bodyPr>
+          <a:lstStyle/>
+          <a:p>
+            <a:r>
+              <a:rPr lang="en-US" sz="3200" b="1" dirty="0"/>
+              <a:t>New State paradox: </a:t>
+            </a:r>
+            <a:r>
+              <a:rPr lang="en-US" sz="3200" dirty="0"/>
+              <a:t>Adding or removing a state with its allotted seats </a:t>
+            </a:r>
+          </a:p>
+          <a:p>
+            <a:r>
+              <a:rPr lang="en-US" sz="3200" dirty="0"/>
+              <a:t>changes the seats apportioned to other states. First noticed in 1907 </a:t>
+            </a:r>
+          </a:p>
+          <a:p>
+            <a:r>
+              <a:rPr lang="en-US" sz="3200" dirty="0"/>
+              <a:t>when Oklahoma became a state.</a:t>
+            </a:r>
+          </a:p>
+          <a:p>
+            <a:endParaRPr lang="en-US" b="1" dirty="0"/>
           </a:p>
         </p:txBody>
       </p:sp>
     </p:spTree>
     <p:extLst>
       <p:ext uri="{BB962C8B-B14F-4D97-AF65-F5344CB8AC3E}">
-        <p14:creationId xmlns:p14="http://schemas.microsoft.com/office/powerpoint/2010/main" val="1120851124"/>
+        <p14:creationId xmlns:p14="http://schemas.microsoft.com/office/powerpoint/2010/main" val="4021157456"/>
       </p:ext>
     </p:extLst>
   </p:cSld>
